--- a/Employee_Data_Analysis_2 (1).pptx
+++ b/Employee_Data_Analysis_2 (1).pptx
@@ -2772,14 +2772,19 @@
           <a:p>
             <a:r>
               <a:rPr lang="en-US" sz="2400" dirty="0"/>
-              <a:t>STUDENT NAME:BOOBALAN S</a:t>
+              <a:t>STUDENT NAME:S DIVAKAR</a:t>
             </a:r>
           </a:p>
           <a:p>
             <a:r>
               <a:rPr lang="en-US" sz="2400" dirty="0"/>
-              <a:t>REGISTER NO:312211778 /22BCOMCA16</a:t>
-            </a:r>
+              <a:t>REGISTER NO</a:t>
+            </a:r>
+            <a:r>
+              <a:rPr lang="en-US" sz="2400"/>
+              <a:t>:312211782 /22BCOMCA33</a:t>
+            </a:r>
+            <a:endParaRPr lang="en-US" sz="2400" dirty="0"/>
           </a:p>
           <a:p>
             <a:r>
